--- a/Presentations/Communication Slides.pptx
+++ b/Presentations/Communication Slides.pptx
@@ -110,7 +110,7 @@
   </p:defaultTextStyle>
   <p:extLst>
     <p:ext uri="{EFAFB233-063F-42B5-8137-9DF3F51BA10A}">
-      <p15:sldGuideLst xmlns:p15="http://schemas.microsoft.com/office/powerpoint/2012/main"/>
+      <p15:sldGuideLst xmlns:p15="http://schemas.microsoft.com/office/powerpoint/2012/main" xmlns=""/>
     </p:ext>
   </p:extLst>
 </p:presentation>
@@ -6424,7 +6424,7 @@
         <p:spPr>
           <a:xfrm>
             <a:off x="2666561" y="1646849"/>
-            <a:ext cx="1288499" cy="923330"/>
+            <a:ext cx="1288499" cy="1200329"/>
           </a:xfrm>
           <a:prstGeom prst="rect">
             <a:avLst/>
@@ -6460,7 +6460,21 @@
             </a:r>
             <a:r>
               <a:rPr lang="en-US" dirty="0" smtClean="0"/>
-              <a:t> -Position</a:t>
+              <a:t> -</a:t>
+            </a:r>
+            <a:r>
+              <a:rPr lang="en-US" dirty="0" smtClean="0"/>
+              <a:t>Position</a:t>
+            </a:r>
+          </a:p>
+          <a:p>
+            <a:r>
+              <a:rPr lang="en-US" dirty="0"/>
+              <a:t> </a:t>
+            </a:r>
+            <a:r>
+              <a:rPr lang="en-US" dirty="0" smtClean="0"/>
+              <a:t> -Time</a:t>
             </a:r>
             <a:endParaRPr lang="en-US" dirty="0"/>
           </a:p>
@@ -6528,8 +6542,8 @@
         </p:nvCxnSpPr>
         <p:spPr>
           <a:xfrm flipH="1">
-            <a:off x="1922093" y="2570179"/>
-            <a:ext cx="1388718" cy="1983378"/>
+            <a:off x="1985999" y="2847178"/>
+            <a:ext cx="1324812" cy="1706379"/>
           </a:xfrm>
           <a:prstGeom prst="straightConnector1">
             <a:avLst/>
@@ -6568,7 +6582,7 @@
         <p:spPr>
           <a:xfrm>
             <a:off x="1322666" y="2570179"/>
-            <a:ext cx="599427" cy="1983378"/>
+            <a:ext cx="663333" cy="1983378"/>
           </a:xfrm>
           <a:prstGeom prst="straightConnector1">
             <a:avLst/>
@@ -6759,8 +6773,8 @@
         </p:nvSpPr>
         <p:spPr>
           <a:xfrm>
-            <a:off x="790917" y="4553557"/>
-            <a:ext cx="2262352" cy="646331"/>
+            <a:off x="790916" y="4553557"/>
+            <a:ext cx="2390165" cy="646331"/>
           </a:xfrm>
           <a:prstGeom prst="rect">
             <a:avLst/>
@@ -6790,7 +6804,11 @@
             </a:r>
             <a:r>
               <a:rPr lang="en-US" dirty="0" smtClean="0"/>
-              <a:t>-Assemble packet</a:t>
+              <a:t> -</a:t>
+            </a:r>
+            <a:r>
+              <a:rPr lang="en-US" dirty="0" smtClean="0"/>
+              <a:t>Assemble packet</a:t>
             </a:r>
             <a:endParaRPr lang="en-US" dirty="0"/>
           </a:p>
@@ -6807,8 +6825,8 @@
         </p:nvCxnSpPr>
         <p:spPr>
           <a:xfrm>
-            <a:off x="3053269" y="4876723"/>
-            <a:ext cx="2123852" cy="456269"/>
+            <a:off x="3181081" y="4876723"/>
+            <a:ext cx="1996040" cy="456269"/>
           </a:xfrm>
           <a:prstGeom prst="straightConnector1">
             <a:avLst/>
@@ -6888,8 +6906,8 @@
         </p:nvCxnSpPr>
         <p:spPr>
           <a:xfrm flipH="1">
-            <a:off x="1922093" y="2293180"/>
-            <a:ext cx="3423601" cy="2260377"/>
+            <a:off x="1985999" y="2293180"/>
+            <a:ext cx="3359695" cy="2260377"/>
           </a:xfrm>
           <a:prstGeom prst="straightConnector1">
             <a:avLst/>
@@ -7075,7 +7093,7 @@
         <p:spPr>
           <a:xfrm>
             <a:off x="2666561" y="1646849"/>
-            <a:ext cx="1288499" cy="923330"/>
+            <a:ext cx="1288499" cy="1200329"/>
           </a:xfrm>
           <a:prstGeom prst="rect">
             <a:avLst/>
@@ -7111,7 +7129,21 @@
             </a:r>
             <a:r>
               <a:rPr lang="en-US" dirty="0" smtClean="0"/>
-              <a:t> -Position</a:t>
+              <a:t> -</a:t>
+            </a:r>
+            <a:r>
+              <a:rPr lang="en-US" dirty="0" smtClean="0"/>
+              <a:t>Position</a:t>
+            </a:r>
+          </a:p>
+          <a:p>
+            <a:r>
+              <a:rPr lang="en-US" dirty="0"/>
+              <a:t> </a:t>
+            </a:r>
+            <a:r>
+              <a:rPr lang="en-US" dirty="0" smtClean="0"/>
+              <a:t> -Time</a:t>
             </a:r>
             <a:endParaRPr lang="en-US" dirty="0"/>
           </a:p>
@@ -7179,8 +7211,8 @@
         </p:nvCxnSpPr>
         <p:spPr>
           <a:xfrm flipH="1">
-            <a:off x="1920413" y="2570179"/>
-            <a:ext cx="1390398" cy="1987587"/>
+            <a:off x="2004478" y="2847178"/>
+            <a:ext cx="1306333" cy="1710588"/>
           </a:xfrm>
           <a:prstGeom prst="straightConnector1">
             <a:avLst/>
@@ -7219,7 +7251,7 @@
         <p:spPr>
           <a:xfrm>
             <a:off x="1322666" y="2570179"/>
-            <a:ext cx="597747" cy="1987587"/>
+            <a:ext cx="681812" cy="1987587"/>
           </a:xfrm>
           <a:prstGeom prst="straightConnector1">
             <a:avLst/>
@@ -7410,7 +7442,7 @@
         <p:spPr>
           <a:xfrm>
             <a:off x="789237" y="4557766"/>
-            <a:ext cx="2262352" cy="646331"/>
+            <a:ext cx="2430482" cy="646331"/>
           </a:xfrm>
           <a:prstGeom prst="rect">
             <a:avLst/>
@@ -7440,7 +7472,11 @@
             </a:r>
             <a:r>
               <a:rPr lang="en-US" dirty="0" smtClean="0"/>
-              <a:t>-Assemble packet</a:t>
+              <a:t> -</a:t>
+            </a:r>
+            <a:r>
+              <a:rPr lang="en-US" dirty="0" smtClean="0"/>
+              <a:t>Assemble packet</a:t>
             </a:r>
             <a:endParaRPr lang="en-US" dirty="0"/>
           </a:p>
@@ -7457,8 +7493,8 @@
         </p:nvCxnSpPr>
         <p:spPr>
           <a:xfrm>
-            <a:off x="3051589" y="4880932"/>
-            <a:ext cx="1126273" cy="136336"/>
+            <a:off x="3219719" y="4880932"/>
+            <a:ext cx="958143" cy="136336"/>
           </a:xfrm>
           <a:prstGeom prst="straightConnector1">
             <a:avLst/>
@@ -7538,8 +7574,8 @@
         </p:nvCxnSpPr>
         <p:spPr>
           <a:xfrm flipH="1">
-            <a:off x="1920413" y="2293180"/>
-            <a:ext cx="3425281" cy="2264586"/>
+            <a:off x="2004478" y="2293180"/>
+            <a:ext cx="3341216" cy="2264586"/>
           </a:xfrm>
           <a:prstGeom prst="straightConnector1">
             <a:avLst/>
@@ -7906,7 +7942,7 @@
   <a:extraClrSchemeLst/>
   <a:extLst>
     <a:ext uri="{05A4C25C-085E-4340-85A3-A5531E510DB2}">
-      <thm15:themeFamily xmlns:thm15="http://schemas.microsoft.com/office/thememl/2012/main" name="Ion" id="{B8441ADB-2E43-4AF7-B97A-BD870242C6A8}" vid="{292E63A9-BB86-4E3D-B92A-7223C6510D2E}"/>
+      <thm15:themeFamily xmlns:thm15="http://schemas.microsoft.com/office/thememl/2012/main" xmlns="" name="Ion" id="{B8441ADB-2E43-4AF7-B97A-BD870242C6A8}" vid="{292E63A9-BB86-4E3D-B92A-7223C6510D2E}"/>
     </a:ext>
   </a:extLst>
 </a:theme>

--- a/Presentations/Communication Slides.pptx
+++ b/Presentations/Communication Slides.pptx
@@ -10,6 +10,8 @@
     <p:sldId id="258" r:id="rId4"/>
     <p:sldId id="259" r:id="rId5"/>
     <p:sldId id="261" r:id="rId6"/>
+    <p:sldId id="262" r:id="rId7"/>
+    <p:sldId id="263" r:id="rId8"/>
   </p:sldIdLst>
   <p:sldSz cx="12192000" cy="6858000"/>
   <p:notesSz cx="6858000" cy="9144000"/>
@@ -110,7 +112,7 @@
   </p:defaultTextStyle>
   <p:extLst>
     <p:ext uri="{EFAFB233-063F-42B5-8137-9DF3F51BA10A}">
-      <p15:sldGuideLst xmlns:p15="http://schemas.microsoft.com/office/powerpoint/2012/main" xmlns=""/>
+      <p15:sldGuideLst xmlns="" xmlns:p15="http://schemas.microsoft.com/office/powerpoint/2012/main"/>
     </p:ext>
   </p:extLst>
 </p:presentation>
@@ -302,7 +304,7 @@
           <a:p>
             <a:fld id="{4AAD347D-5ACD-4C99-B74B-A9C85AD731AF}" type="datetimeFigureOut">
               <a:rPr lang="en-US" dirty="0"/>
-              <a:t>10/7/2015</a:t>
+              <a:t>10/7/15</a:t>
             </a:fld>
             <a:endParaRPr lang="en-US" dirty="0"/>
           </a:p>
@@ -572,7 +574,7 @@
           <a:p>
             <a:fld id="{4509A250-FF31-4206-8172-F9D3106AACB1}" type="datetimeFigureOut">
               <a:rPr lang="en-US" dirty="0"/>
-              <a:t>10/7/2015</a:t>
+              <a:t>10/7/15</a:t>
             </a:fld>
             <a:endParaRPr lang="en-US" dirty="0"/>
           </a:p>
@@ -761,7 +763,7 @@
           <a:p>
             <a:fld id="{4509A250-FF31-4206-8172-F9D3106AACB1}" type="datetimeFigureOut">
               <a:rPr lang="en-US" dirty="0"/>
-              <a:t>10/7/2015</a:t>
+              <a:t>10/7/15</a:t>
             </a:fld>
             <a:endParaRPr lang="en-US" dirty="0"/>
           </a:p>
@@ -1029,7 +1031,7 @@
           <a:p>
             <a:fld id="{4509A250-FF31-4206-8172-F9D3106AACB1}" type="datetimeFigureOut">
               <a:rPr lang="en-US" dirty="0"/>
-              <a:t>10/7/2015</a:t>
+              <a:t>10/7/15</a:t>
             </a:fld>
             <a:endParaRPr lang="en-US" dirty="0"/>
           </a:p>
@@ -1365,7 +1367,7 @@
           <a:p>
             <a:fld id="{4509A250-FF31-4206-8172-F9D3106AACB1}" type="datetimeFigureOut">
               <a:rPr lang="en-US" dirty="0"/>
-              <a:t>10/7/2015</a:t>
+              <a:t>10/7/15</a:t>
             </a:fld>
             <a:endParaRPr lang="en-US" dirty="0"/>
           </a:p>
@@ -1983,7 +1985,7 @@
           <a:p>
             <a:fld id="{4509A250-FF31-4206-8172-F9D3106AACB1}" type="datetimeFigureOut">
               <a:rPr lang="en-US" dirty="0"/>
-              <a:t>10/7/2015</a:t>
+              <a:t>10/7/15</a:t>
             </a:fld>
             <a:endParaRPr lang="en-US" dirty="0"/>
           </a:p>
@@ -2838,7 +2840,7 @@
           <a:p>
             <a:fld id="{4509A250-FF31-4206-8172-F9D3106AACB1}" type="datetimeFigureOut">
               <a:rPr lang="en-US" dirty="0"/>
-              <a:t>10/7/2015</a:t>
+              <a:t>10/7/15</a:t>
             </a:fld>
             <a:endParaRPr lang="en-US" dirty="0"/>
           </a:p>
@@ -3003,7 +3005,7 @@
           <a:p>
             <a:fld id="{4509A250-FF31-4206-8172-F9D3106AACB1}" type="datetimeFigureOut">
               <a:rPr lang="en-US" dirty="0"/>
-              <a:t>10/7/2015</a:t>
+              <a:t>10/7/15</a:t>
             </a:fld>
             <a:endParaRPr lang="en-US" dirty="0"/>
           </a:p>
@@ -3178,7 +3180,7 @@
           <a:p>
             <a:fld id="{4509A250-FF31-4206-8172-F9D3106AACB1}" type="datetimeFigureOut">
               <a:rPr lang="en-US" dirty="0"/>
-              <a:t>10/7/2015</a:t>
+              <a:t>10/7/15</a:t>
             </a:fld>
             <a:endParaRPr lang="en-US" dirty="0"/>
           </a:p>
@@ -3343,7 +3345,7 @@
           <a:p>
             <a:fld id="{4509A250-FF31-4206-8172-F9D3106AACB1}" type="datetimeFigureOut">
               <a:rPr lang="en-US" dirty="0"/>
-              <a:t>10/7/2015</a:t>
+              <a:t>10/7/15</a:t>
             </a:fld>
             <a:endParaRPr lang="en-US" dirty="0"/>
           </a:p>
@@ -3585,7 +3587,7 @@
           <a:p>
             <a:fld id="{9796027F-7875-4030-9381-8BD8C4F21935}" type="datetimeFigureOut">
               <a:rPr lang="en-US" dirty="0"/>
-              <a:t>10/7/2015</a:t>
+              <a:t>10/7/15</a:t>
             </a:fld>
             <a:endParaRPr lang="en-US" dirty="0"/>
           </a:p>
@@ -3872,7 +3874,7 @@
           <a:p>
             <a:fld id="{9796027F-7875-4030-9381-8BD8C4F21935}" type="datetimeFigureOut">
               <a:rPr lang="en-US" dirty="0"/>
-              <a:t>10/7/2015</a:t>
+              <a:t>10/7/15</a:t>
             </a:fld>
             <a:endParaRPr lang="en-US" dirty="0"/>
           </a:p>
@@ -4311,7 +4313,7 @@
           <a:p>
             <a:fld id="{9796027F-7875-4030-9381-8BD8C4F21935}" type="datetimeFigureOut">
               <a:rPr lang="en-US" dirty="0"/>
-              <a:t>10/7/2015</a:t>
+              <a:t>10/7/15</a:t>
             </a:fld>
             <a:endParaRPr lang="en-US" dirty="0"/>
           </a:p>
@@ -4424,7 +4426,7 @@
           <a:p>
             <a:fld id="{4509A250-FF31-4206-8172-F9D3106AACB1}" type="datetimeFigureOut">
               <a:rPr lang="en-US" dirty="0"/>
-              <a:t>10/7/2015</a:t>
+              <a:t>10/7/15</a:t>
             </a:fld>
             <a:endParaRPr lang="en-US" dirty="0"/>
           </a:p>
@@ -4514,7 +4516,7 @@
           <a:p>
             <a:fld id="{4509A250-FF31-4206-8172-F9D3106AACB1}" type="datetimeFigureOut">
               <a:rPr lang="en-US" dirty="0"/>
-              <a:t>10/7/2015</a:t>
+              <a:t>10/7/15</a:t>
             </a:fld>
             <a:endParaRPr lang="en-US" dirty="0"/>
           </a:p>
@@ -4788,7 +4790,7 @@
           <a:p>
             <a:fld id="{4509A250-FF31-4206-8172-F9D3106AACB1}" type="datetimeFigureOut">
               <a:rPr lang="en-US" dirty="0"/>
-              <a:t>10/7/2015</a:t>
+              <a:t>10/7/15</a:t>
             </a:fld>
             <a:endParaRPr lang="en-US" dirty="0"/>
           </a:p>
@@ -5058,7 +5060,7 @@
           <a:p>
             <a:fld id="{4509A250-FF31-4206-8172-F9D3106AACB1}" type="datetimeFigureOut">
               <a:rPr lang="en-US" dirty="0"/>
-              <a:t>10/7/2015</a:t>
+              <a:t>10/7/15</a:t>
             </a:fld>
             <a:endParaRPr lang="en-US" dirty="0"/>
           </a:p>
@@ -5482,7 +5484,7 @@
           <a:p>
             <a:fld id="{4AAD347D-5ACD-4C99-B74B-A9C85AD731AF}" type="datetimeFigureOut">
               <a:rPr lang="en-US" dirty="0"/>
-              <a:t>10/7/2015</a:t>
+              <a:t>10/7/15</a:t>
             </a:fld>
             <a:endParaRPr lang="en-US" dirty="0"/>
           </a:p>
@@ -6065,7 +6067,7 @@
   <p:timing>
     <p:tnLst>
       <p:par>
-        <p:cTn id="1" dur="indefinite" restart="never" nodeType="tmRoot"/>
+        <p:cTn xmlns:p14="http://schemas.microsoft.com/office/powerpoint/2010/main" id="1" dur="indefinite" restart="never" nodeType="tmRoot"/>
       </p:par>
     </p:tnLst>
   </p:timing>
@@ -6199,7 +6201,7 @@
   <p:timing>
     <p:tnLst>
       <p:par>
-        <p:cTn id="1" dur="indefinite" restart="never" nodeType="tmRoot"/>
+        <p:cTn xmlns:p14="http://schemas.microsoft.com/office/powerpoint/2010/main" id="1" dur="indefinite" restart="never" nodeType="tmRoot"/>
       </p:par>
     </p:tnLst>
   </p:timing>
@@ -6278,7 +6280,7 @@
   <p:timing>
     <p:tnLst>
       <p:par>
-        <p:cTn id="1" dur="indefinite" restart="never" nodeType="tmRoot"/>
+        <p:cTn xmlns:p14="http://schemas.microsoft.com/office/powerpoint/2010/main" id="1" dur="indefinite" restart="never" nodeType="tmRoot"/>
       </p:par>
     </p:tnLst>
   </p:timing>
@@ -6460,11 +6462,7 @@
             </a:r>
             <a:r>
               <a:rPr lang="en-US" dirty="0" smtClean="0"/>
-              <a:t> -</a:t>
-            </a:r>
-            <a:r>
-              <a:rPr lang="en-US" dirty="0" smtClean="0"/>
-              <a:t>Position</a:t>
+              <a:t> -Position</a:t>
             </a:r>
           </a:p>
           <a:p>
@@ -6804,11 +6802,7 @@
             </a:r>
             <a:r>
               <a:rPr lang="en-US" dirty="0" smtClean="0"/>
-              <a:t> -</a:t>
-            </a:r>
-            <a:r>
-              <a:rPr lang="en-US" dirty="0" smtClean="0"/>
-              <a:t>Assemble packet</a:t>
+              <a:t> -Assemble packet</a:t>
             </a:r>
             <a:endParaRPr lang="en-US" dirty="0"/>
           </a:p>
@@ -6977,7 +6971,7 @@
   <p:timing>
     <p:tnLst>
       <p:par>
-        <p:cTn id="1" dur="indefinite" restart="never" nodeType="tmRoot"/>
+        <p:cTn xmlns:p14="http://schemas.microsoft.com/office/powerpoint/2010/main" id="1" dur="indefinite" restart="never" nodeType="tmRoot"/>
       </p:par>
     </p:tnLst>
   </p:timing>
@@ -7129,11 +7123,7 @@
             </a:r>
             <a:r>
               <a:rPr lang="en-US" dirty="0" smtClean="0"/>
-              <a:t> -</a:t>
-            </a:r>
-            <a:r>
-              <a:rPr lang="en-US" dirty="0" smtClean="0"/>
-              <a:t>Position</a:t>
+              <a:t> -Position</a:t>
             </a:r>
           </a:p>
           <a:p>
@@ -7472,11 +7462,7 @@
             </a:r>
             <a:r>
               <a:rPr lang="en-US" dirty="0" smtClean="0"/>
-              <a:t> -</a:t>
-            </a:r>
-            <a:r>
-              <a:rPr lang="en-US" dirty="0" smtClean="0"/>
-              <a:t>Assemble packet</a:t>
+              <a:t> -Assemble packet</a:t>
             </a:r>
             <a:endParaRPr lang="en-US" dirty="0"/>
           </a:p>
@@ -7675,10 +7661,203 @@
   <p:timing>
     <p:tnLst>
       <p:par>
-        <p:cTn id="1" dur="indefinite" restart="never" nodeType="tmRoot"/>
+        <p:cTn xmlns:p14="http://schemas.microsoft.com/office/powerpoint/2010/main" id="1" dur="indefinite" restart="never" nodeType="tmRoot"/>
       </p:par>
     </p:tnLst>
   </p:timing>
+</p:sld>
+</file>
+
+<file path=ppt/slides/slide6.xml><?xml version="1.0" encoding="utf-8"?>
+<p:sld xmlns:a="http://schemas.openxmlformats.org/drawingml/2006/main" xmlns:r="http://schemas.openxmlformats.org/officeDocument/2006/relationships" xmlns:p="http://schemas.openxmlformats.org/presentationml/2006/main">
+  <p:cSld>
+    <p:spTree>
+      <p:nvGrpSpPr>
+        <p:cNvPr id="1" name=""/>
+        <p:cNvGrpSpPr/>
+        <p:nvPr/>
+      </p:nvGrpSpPr>
+      <p:grpSpPr>
+        <a:xfrm>
+          <a:off x="0" y="0"/>
+          <a:ext cx="0" cy="0"/>
+          <a:chOff x="0" y="0"/>
+          <a:chExt cx="0" cy="0"/>
+        </a:xfrm>
+      </p:grpSpPr>
+      <p:sp>
+        <p:nvSpPr>
+          <p:cNvPr id="2" name="Title 1"/>
+          <p:cNvSpPr>
+            <a:spLocks noGrp="1"/>
+          </p:cNvSpPr>
+          <p:nvPr>
+            <p:ph type="title"/>
+          </p:nvPr>
+        </p:nvSpPr>
+        <p:spPr/>
+        <p:txBody>
+          <a:bodyPr/>
+          <a:lstStyle/>
+          <a:p>
+            <a:r>
+              <a:rPr lang="en-US" dirty="0" smtClean="0"/>
+              <a:t>Working Assumptions</a:t>
+            </a:r>
+            <a:endParaRPr lang="en-US" dirty="0"/>
+          </a:p>
+        </p:txBody>
+      </p:sp>
+      <p:sp>
+        <p:nvSpPr>
+          <p:cNvPr id="3" name="Content Placeholder 2"/>
+          <p:cNvSpPr>
+            <a:spLocks noGrp="1"/>
+          </p:cNvSpPr>
+          <p:nvPr>
+            <p:ph idx="1"/>
+          </p:nvPr>
+        </p:nvSpPr>
+        <p:spPr/>
+        <p:txBody>
+          <a:bodyPr/>
+          <a:lstStyle/>
+          <a:p>
+            <a:r>
+              <a:rPr lang="en-US" dirty="0" smtClean="0"/>
+              <a:t>Assume one event per orbit</a:t>
+            </a:r>
+          </a:p>
+          <a:p>
+            <a:r>
+              <a:rPr lang="en-US" dirty="0" smtClean="0"/>
+              <a:t>Assume communication available to 3 base stations across the United States (Honolulu, Boulder, Fairbanks, maybe Crookston)</a:t>
+            </a:r>
+          </a:p>
+          <a:p>
+            <a:r>
+              <a:rPr lang="en-US" dirty="0" smtClean="0"/>
+              <a:t>Assume circular LEO</a:t>
+            </a:r>
+          </a:p>
+          <a:p>
+            <a:r>
+              <a:rPr lang="en-US" dirty="0" smtClean="0"/>
+              <a:t>Assume each data set on the order of 10 </a:t>
+            </a:r>
+            <a:r>
+              <a:rPr lang="en-US" dirty="0" err="1" smtClean="0"/>
+              <a:t>MiB</a:t>
+            </a:r>
+            <a:endParaRPr lang="en-US" dirty="0" smtClean="0"/>
+          </a:p>
+        </p:txBody>
+      </p:sp>
+    </p:spTree>
+    <p:extLst>
+      <p:ext uri="{BB962C8B-B14F-4D97-AF65-F5344CB8AC3E}">
+        <p14:creationId xmlns:p14="http://schemas.microsoft.com/office/powerpoint/2010/main" val="3063671230"/>
+      </p:ext>
+    </p:extLst>
+  </p:cSld>
+  <p:clrMapOvr>
+    <a:masterClrMapping/>
+  </p:clrMapOvr>
+</p:sld>
+</file>
+
+<file path=ppt/slides/slide7.xml><?xml version="1.0" encoding="utf-8"?>
+<p:sld xmlns:a="http://schemas.openxmlformats.org/drawingml/2006/main" xmlns:r="http://schemas.openxmlformats.org/officeDocument/2006/relationships" xmlns:p="http://schemas.openxmlformats.org/presentationml/2006/main">
+  <p:cSld>
+    <p:spTree>
+      <p:nvGrpSpPr>
+        <p:cNvPr id="1" name=""/>
+        <p:cNvGrpSpPr/>
+        <p:nvPr/>
+      </p:nvGrpSpPr>
+      <p:grpSpPr>
+        <a:xfrm>
+          <a:off x="0" y="0"/>
+          <a:ext cx="0" cy="0"/>
+          <a:chOff x="0" y="0"/>
+          <a:chExt cx="0" cy="0"/>
+        </a:xfrm>
+      </p:grpSpPr>
+      <p:sp>
+        <p:nvSpPr>
+          <p:cNvPr id="2" name="Title 1"/>
+          <p:cNvSpPr>
+            <a:spLocks noGrp="1"/>
+          </p:cNvSpPr>
+          <p:nvPr>
+            <p:ph type="title"/>
+          </p:nvPr>
+        </p:nvSpPr>
+        <p:spPr/>
+        <p:txBody>
+          <a:bodyPr/>
+          <a:lstStyle/>
+          <a:p>
+            <a:r>
+              <a:rPr lang="en-US" dirty="0" smtClean="0"/>
+              <a:t>Questions</a:t>
+            </a:r>
+            <a:endParaRPr lang="en-US" dirty="0"/>
+          </a:p>
+        </p:txBody>
+      </p:sp>
+      <p:sp>
+        <p:nvSpPr>
+          <p:cNvPr id="3" name="Content Placeholder 2"/>
+          <p:cNvSpPr>
+            <a:spLocks noGrp="1"/>
+          </p:cNvSpPr>
+          <p:nvPr>
+            <p:ph idx="1"/>
+          </p:nvPr>
+        </p:nvSpPr>
+        <p:spPr/>
+        <p:txBody>
+          <a:bodyPr/>
+          <a:lstStyle/>
+          <a:p>
+            <a:r>
+              <a:rPr lang="en-US" dirty="0" smtClean="0"/>
+              <a:t>How much power is required for the broadcast signal?</a:t>
+            </a:r>
+          </a:p>
+          <a:p>
+            <a:pPr lvl="1"/>
+            <a:r>
+              <a:rPr lang="en-US" dirty="0" smtClean="0"/>
+              <a:t>Link budget</a:t>
+            </a:r>
+          </a:p>
+          <a:p>
+            <a:r>
+              <a:rPr lang="en-US" dirty="0" smtClean="0"/>
+              <a:t>How much time will be available during each orbit for communication?</a:t>
+            </a:r>
+          </a:p>
+          <a:p>
+            <a:r>
+              <a:rPr lang="en-US" dirty="0" smtClean="0"/>
+              <a:t>Is it possible to transmit all data in the time allotted?</a:t>
+            </a:r>
+            <a:endParaRPr lang="en-US" dirty="0"/>
+          </a:p>
+        </p:txBody>
+      </p:sp>
+    </p:spTree>
+    <p:extLst>
+      <p:ext uri="{BB962C8B-B14F-4D97-AF65-F5344CB8AC3E}">
+        <p14:creationId xmlns:p14="http://schemas.microsoft.com/office/powerpoint/2010/main" val="826879702"/>
+      </p:ext>
+    </p:extLst>
+  </p:cSld>
+  <p:clrMapOvr>
+    <a:masterClrMapping/>
+  </p:clrMapOvr>
 </p:sld>
 </file>
 
@@ -7725,7 +7904,7 @@
     </a:clrScheme>
     <a:fontScheme name="Ion">
       <a:majorFont>
-        <a:latin typeface="Century Gothic" panose="020B0502020202020204"/>
+        <a:latin typeface="Century Gothic"/>
         <a:ea typeface=""/>
         <a:cs typeface=""/>
         <a:font script="Jpan" typeface="メイリオ"/>
@@ -7760,7 +7939,7 @@
         <a:font script="Geor" typeface="Sylfaen"/>
       </a:majorFont>
       <a:minorFont>
-        <a:latin typeface="Century Gothic" panose="020B0502020202020204"/>
+        <a:latin typeface="Century Gothic"/>
         <a:ea typeface=""/>
         <a:cs typeface=""/>
         <a:font script="Jpan" typeface="メイリオ"/>
@@ -7942,7 +8121,7 @@
   <a:extraClrSchemeLst/>
   <a:extLst>
     <a:ext uri="{05A4C25C-085E-4340-85A3-A5531E510DB2}">
-      <thm15:themeFamily xmlns:thm15="http://schemas.microsoft.com/office/thememl/2012/main" xmlns="" name="Ion" id="{B8441ADB-2E43-4AF7-B97A-BD870242C6A8}" vid="{292E63A9-BB86-4E3D-B92A-7223C6510D2E}"/>
+      <thm15:themeFamily xmlns="" xmlns:thm15="http://schemas.microsoft.com/office/thememl/2012/main" name="Ion" id="{B8441ADB-2E43-4AF7-B97A-BD870242C6A8}" vid="{292E63A9-BB86-4E3D-B92A-7223C6510D2E}"/>
     </a:ext>
   </a:extLst>
 </a:theme>

--- a/Presentations/Communication Slides.pptx
+++ b/Presentations/Communication Slides.pptx
@@ -8,10 +8,10 @@
     <p:sldId id="256" r:id="rId2"/>
     <p:sldId id="257" r:id="rId3"/>
     <p:sldId id="258" r:id="rId4"/>
-    <p:sldId id="259" r:id="rId5"/>
-    <p:sldId id="261" r:id="rId6"/>
-    <p:sldId id="262" r:id="rId7"/>
-    <p:sldId id="263" r:id="rId8"/>
+    <p:sldId id="262" r:id="rId5"/>
+    <p:sldId id="263" r:id="rId6"/>
+    <p:sldId id="259" r:id="rId7"/>
+    <p:sldId id="261" r:id="rId8"/>
   </p:sldIdLst>
   <p:sldSz cx="12192000" cy="6858000"/>
   <p:notesSz cx="6858000" cy="9144000"/>
@@ -112,7 +112,7 @@
   </p:defaultTextStyle>
   <p:extLst>
     <p:ext uri="{EFAFB233-063F-42B5-8137-9DF3F51BA10A}">
-      <p15:sldGuideLst xmlns="" xmlns:p15="http://schemas.microsoft.com/office/powerpoint/2012/main"/>
+      <p15:sldGuideLst xmlns:p15="http://schemas.microsoft.com/office/powerpoint/2012/main" xmlns=""/>
     </p:ext>
   </p:extLst>
 </p:presentation>
@@ -6321,6 +6321,229 @@
           <a:p>
             <a:r>
               <a:rPr lang="en-US" dirty="0" smtClean="0"/>
+              <a:t>Working Assumptions</a:t>
+            </a:r>
+            <a:endParaRPr lang="en-US" dirty="0"/>
+          </a:p>
+        </p:txBody>
+      </p:sp>
+      <p:sp>
+        <p:nvSpPr>
+          <p:cNvPr id="3" name="Content Placeholder 2"/>
+          <p:cNvSpPr>
+            <a:spLocks noGrp="1"/>
+          </p:cNvSpPr>
+          <p:nvPr>
+            <p:ph idx="1"/>
+          </p:nvPr>
+        </p:nvSpPr>
+        <p:spPr/>
+        <p:txBody>
+          <a:bodyPr/>
+          <a:lstStyle/>
+          <a:p>
+            <a:r>
+              <a:rPr lang="en-US" dirty="0" smtClean="0"/>
+              <a:t>Assume one event per orbit</a:t>
+            </a:r>
+          </a:p>
+          <a:p>
+            <a:r>
+              <a:rPr lang="en-US" dirty="0" smtClean="0"/>
+              <a:t>Assume communication available to 3 base stations across the United States (Honolulu, Boulder, Fairbanks, maybe Crookston)</a:t>
+            </a:r>
+          </a:p>
+          <a:p>
+            <a:r>
+              <a:rPr lang="en-US" dirty="0" smtClean="0"/>
+              <a:t>Assume circular LEO</a:t>
+            </a:r>
+          </a:p>
+          <a:p>
+            <a:r>
+              <a:rPr lang="en-US" dirty="0" smtClean="0"/>
+              <a:t>Assume each data set on the order of 10 </a:t>
+            </a:r>
+            <a:r>
+              <a:rPr lang="en-US" dirty="0" err="1" smtClean="0"/>
+              <a:t>MiB</a:t>
+            </a:r>
+            <a:endParaRPr lang="en-US" dirty="0" smtClean="0"/>
+          </a:p>
+        </p:txBody>
+      </p:sp>
+    </p:spTree>
+    <p:extLst>
+      <p:ext uri="{BB962C8B-B14F-4D97-AF65-F5344CB8AC3E}">
+        <p14:creationId xmlns:p14="http://schemas.microsoft.com/office/powerpoint/2010/main" val="3063671230"/>
+      </p:ext>
+    </p:extLst>
+  </p:cSld>
+  <p:clrMapOvr>
+    <a:masterClrMapping/>
+  </p:clrMapOvr>
+</p:sld>
+</file>
+
+<file path=ppt/slides/slide5.xml><?xml version="1.0" encoding="utf-8"?>
+<p:sld xmlns:a="http://schemas.openxmlformats.org/drawingml/2006/main" xmlns:r="http://schemas.openxmlformats.org/officeDocument/2006/relationships" xmlns:p="http://schemas.openxmlformats.org/presentationml/2006/main">
+  <p:cSld>
+    <p:spTree>
+      <p:nvGrpSpPr>
+        <p:cNvPr id="1" name=""/>
+        <p:cNvGrpSpPr/>
+        <p:nvPr/>
+      </p:nvGrpSpPr>
+      <p:grpSpPr>
+        <a:xfrm>
+          <a:off x="0" y="0"/>
+          <a:ext cx="0" cy="0"/>
+          <a:chOff x="0" y="0"/>
+          <a:chExt cx="0" cy="0"/>
+        </a:xfrm>
+      </p:grpSpPr>
+      <p:sp>
+        <p:nvSpPr>
+          <p:cNvPr id="2" name="Title 1"/>
+          <p:cNvSpPr>
+            <a:spLocks noGrp="1"/>
+          </p:cNvSpPr>
+          <p:nvPr>
+            <p:ph type="title"/>
+          </p:nvPr>
+        </p:nvSpPr>
+        <p:spPr/>
+        <p:txBody>
+          <a:bodyPr/>
+          <a:lstStyle/>
+          <a:p>
+            <a:r>
+              <a:rPr lang="en-US" dirty="0" smtClean="0"/>
+              <a:t>Questions/Solutions</a:t>
+            </a:r>
+            <a:endParaRPr lang="en-US" dirty="0"/>
+          </a:p>
+        </p:txBody>
+      </p:sp>
+      <p:sp>
+        <p:nvSpPr>
+          <p:cNvPr id="3" name="Content Placeholder 2"/>
+          <p:cNvSpPr>
+            <a:spLocks noGrp="1"/>
+          </p:cNvSpPr>
+          <p:nvPr>
+            <p:ph idx="1"/>
+          </p:nvPr>
+        </p:nvSpPr>
+        <p:spPr/>
+        <p:txBody>
+          <a:bodyPr/>
+          <a:lstStyle/>
+          <a:p>
+            <a:r>
+              <a:rPr lang="en-US" dirty="0" smtClean="0"/>
+              <a:t>How much power is required for the broadcast signal?</a:t>
+            </a:r>
+          </a:p>
+          <a:p>
+            <a:pPr lvl="1"/>
+            <a:r>
+              <a:rPr lang="en-US" dirty="0" smtClean="0"/>
+              <a:t>Link budget</a:t>
+            </a:r>
+          </a:p>
+          <a:p>
+            <a:r>
+              <a:rPr lang="en-US" dirty="0" smtClean="0"/>
+              <a:t>How much time will be available during each orbit for communication</a:t>
+            </a:r>
+            <a:r>
+              <a:rPr lang="en-US" dirty="0" smtClean="0"/>
+              <a:t>?</a:t>
+            </a:r>
+          </a:p>
+          <a:p>
+            <a:pPr lvl="1"/>
+            <a:r>
+              <a:rPr lang="en-US" dirty="0" smtClean="0"/>
+              <a:t>Link budget</a:t>
+            </a:r>
+          </a:p>
+          <a:p>
+            <a:pPr lvl="1"/>
+            <a:r>
+              <a:rPr lang="en-US" dirty="0" smtClean="0"/>
+              <a:t>Orbital parameters</a:t>
+            </a:r>
+            <a:endParaRPr lang="en-US" dirty="0" smtClean="0"/>
+          </a:p>
+          <a:p>
+            <a:r>
+              <a:rPr lang="en-US" dirty="0" smtClean="0"/>
+              <a:t>Is it possible to transmit all data in the time allotted</a:t>
+            </a:r>
+            <a:r>
+              <a:rPr lang="en-US" dirty="0" smtClean="0"/>
+              <a:t>?</a:t>
+            </a:r>
+          </a:p>
+          <a:p>
+            <a:pPr lvl="1"/>
+            <a:r>
+              <a:rPr lang="en-US" dirty="0" smtClean="0"/>
+              <a:t>Link budget</a:t>
+            </a:r>
+            <a:endParaRPr lang="en-US" dirty="0"/>
+          </a:p>
+        </p:txBody>
+      </p:sp>
+    </p:spTree>
+    <p:extLst>
+      <p:ext uri="{BB962C8B-B14F-4D97-AF65-F5344CB8AC3E}">
+        <p14:creationId xmlns:p14="http://schemas.microsoft.com/office/powerpoint/2010/main" val="826879702"/>
+      </p:ext>
+    </p:extLst>
+  </p:cSld>
+  <p:clrMapOvr>
+    <a:masterClrMapping/>
+  </p:clrMapOvr>
+</p:sld>
+</file>
+
+<file path=ppt/slides/slide6.xml><?xml version="1.0" encoding="utf-8"?>
+<p:sld xmlns:a="http://schemas.openxmlformats.org/drawingml/2006/main" xmlns:r="http://schemas.openxmlformats.org/officeDocument/2006/relationships" xmlns:p="http://schemas.openxmlformats.org/presentationml/2006/main">
+  <p:cSld>
+    <p:spTree>
+      <p:nvGrpSpPr>
+        <p:cNvPr id="1" name=""/>
+        <p:cNvGrpSpPr/>
+        <p:nvPr/>
+      </p:nvGrpSpPr>
+      <p:grpSpPr>
+        <a:xfrm>
+          <a:off x="0" y="0"/>
+          <a:ext cx="0" cy="0"/>
+          <a:chOff x="0" y="0"/>
+          <a:chExt cx="0" cy="0"/>
+        </a:xfrm>
+      </p:grpSpPr>
+      <p:sp>
+        <p:nvSpPr>
+          <p:cNvPr id="2" name="Title 1"/>
+          <p:cNvSpPr>
+            <a:spLocks noGrp="1"/>
+          </p:cNvSpPr>
+          <p:nvPr>
+            <p:ph type="title"/>
+          </p:nvPr>
+        </p:nvSpPr>
+        <p:spPr/>
+        <p:txBody>
+          <a:bodyPr/>
+          <a:lstStyle/>
+          <a:p>
+            <a:r>
+              <a:rPr lang="en-US" dirty="0" smtClean="0"/>
               <a:t>Communication – Scenario 1</a:t>
             </a:r>
             <a:endParaRPr lang="en-US" dirty="0"/>
@@ -6978,7 +7201,7 @@
 </p:sld>
 </file>
 
-<file path=ppt/slides/slide5.xml><?xml version="1.0" encoding="utf-8"?>
+<file path=ppt/slides/slide7.xml><?xml version="1.0" encoding="utf-8"?>
 <p:sld xmlns:a="http://schemas.openxmlformats.org/drawingml/2006/main" xmlns:r="http://schemas.openxmlformats.org/officeDocument/2006/relationships" xmlns:p="http://schemas.openxmlformats.org/presentationml/2006/main">
   <p:cSld>
     <p:spTree>
@@ -7665,199 +7888,6 @@
       </p:par>
     </p:tnLst>
   </p:timing>
-</p:sld>
-</file>
-
-<file path=ppt/slides/slide6.xml><?xml version="1.0" encoding="utf-8"?>
-<p:sld xmlns:a="http://schemas.openxmlformats.org/drawingml/2006/main" xmlns:r="http://schemas.openxmlformats.org/officeDocument/2006/relationships" xmlns:p="http://schemas.openxmlformats.org/presentationml/2006/main">
-  <p:cSld>
-    <p:spTree>
-      <p:nvGrpSpPr>
-        <p:cNvPr id="1" name=""/>
-        <p:cNvGrpSpPr/>
-        <p:nvPr/>
-      </p:nvGrpSpPr>
-      <p:grpSpPr>
-        <a:xfrm>
-          <a:off x="0" y="0"/>
-          <a:ext cx="0" cy="0"/>
-          <a:chOff x="0" y="0"/>
-          <a:chExt cx="0" cy="0"/>
-        </a:xfrm>
-      </p:grpSpPr>
-      <p:sp>
-        <p:nvSpPr>
-          <p:cNvPr id="2" name="Title 1"/>
-          <p:cNvSpPr>
-            <a:spLocks noGrp="1"/>
-          </p:cNvSpPr>
-          <p:nvPr>
-            <p:ph type="title"/>
-          </p:nvPr>
-        </p:nvSpPr>
-        <p:spPr/>
-        <p:txBody>
-          <a:bodyPr/>
-          <a:lstStyle/>
-          <a:p>
-            <a:r>
-              <a:rPr lang="en-US" dirty="0" smtClean="0"/>
-              <a:t>Working Assumptions</a:t>
-            </a:r>
-            <a:endParaRPr lang="en-US" dirty="0"/>
-          </a:p>
-        </p:txBody>
-      </p:sp>
-      <p:sp>
-        <p:nvSpPr>
-          <p:cNvPr id="3" name="Content Placeholder 2"/>
-          <p:cNvSpPr>
-            <a:spLocks noGrp="1"/>
-          </p:cNvSpPr>
-          <p:nvPr>
-            <p:ph idx="1"/>
-          </p:nvPr>
-        </p:nvSpPr>
-        <p:spPr/>
-        <p:txBody>
-          <a:bodyPr/>
-          <a:lstStyle/>
-          <a:p>
-            <a:r>
-              <a:rPr lang="en-US" dirty="0" smtClean="0"/>
-              <a:t>Assume one event per orbit</a:t>
-            </a:r>
-          </a:p>
-          <a:p>
-            <a:r>
-              <a:rPr lang="en-US" dirty="0" smtClean="0"/>
-              <a:t>Assume communication available to 3 base stations across the United States (Honolulu, Boulder, Fairbanks, maybe Crookston)</a:t>
-            </a:r>
-          </a:p>
-          <a:p>
-            <a:r>
-              <a:rPr lang="en-US" dirty="0" smtClean="0"/>
-              <a:t>Assume circular LEO</a:t>
-            </a:r>
-          </a:p>
-          <a:p>
-            <a:r>
-              <a:rPr lang="en-US" dirty="0" smtClean="0"/>
-              <a:t>Assume each data set on the order of 10 </a:t>
-            </a:r>
-            <a:r>
-              <a:rPr lang="en-US" dirty="0" err="1" smtClean="0"/>
-              <a:t>MiB</a:t>
-            </a:r>
-            <a:endParaRPr lang="en-US" dirty="0" smtClean="0"/>
-          </a:p>
-        </p:txBody>
-      </p:sp>
-    </p:spTree>
-    <p:extLst>
-      <p:ext uri="{BB962C8B-B14F-4D97-AF65-F5344CB8AC3E}">
-        <p14:creationId xmlns:p14="http://schemas.microsoft.com/office/powerpoint/2010/main" val="3063671230"/>
-      </p:ext>
-    </p:extLst>
-  </p:cSld>
-  <p:clrMapOvr>
-    <a:masterClrMapping/>
-  </p:clrMapOvr>
-</p:sld>
-</file>
-
-<file path=ppt/slides/slide7.xml><?xml version="1.0" encoding="utf-8"?>
-<p:sld xmlns:a="http://schemas.openxmlformats.org/drawingml/2006/main" xmlns:r="http://schemas.openxmlformats.org/officeDocument/2006/relationships" xmlns:p="http://schemas.openxmlformats.org/presentationml/2006/main">
-  <p:cSld>
-    <p:spTree>
-      <p:nvGrpSpPr>
-        <p:cNvPr id="1" name=""/>
-        <p:cNvGrpSpPr/>
-        <p:nvPr/>
-      </p:nvGrpSpPr>
-      <p:grpSpPr>
-        <a:xfrm>
-          <a:off x="0" y="0"/>
-          <a:ext cx="0" cy="0"/>
-          <a:chOff x="0" y="0"/>
-          <a:chExt cx="0" cy="0"/>
-        </a:xfrm>
-      </p:grpSpPr>
-      <p:sp>
-        <p:nvSpPr>
-          <p:cNvPr id="2" name="Title 1"/>
-          <p:cNvSpPr>
-            <a:spLocks noGrp="1"/>
-          </p:cNvSpPr>
-          <p:nvPr>
-            <p:ph type="title"/>
-          </p:nvPr>
-        </p:nvSpPr>
-        <p:spPr/>
-        <p:txBody>
-          <a:bodyPr/>
-          <a:lstStyle/>
-          <a:p>
-            <a:r>
-              <a:rPr lang="en-US" dirty="0" smtClean="0"/>
-              <a:t>Questions</a:t>
-            </a:r>
-            <a:endParaRPr lang="en-US" dirty="0"/>
-          </a:p>
-        </p:txBody>
-      </p:sp>
-      <p:sp>
-        <p:nvSpPr>
-          <p:cNvPr id="3" name="Content Placeholder 2"/>
-          <p:cNvSpPr>
-            <a:spLocks noGrp="1"/>
-          </p:cNvSpPr>
-          <p:nvPr>
-            <p:ph idx="1"/>
-          </p:nvPr>
-        </p:nvSpPr>
-        <p:spPr/>
-        <p:txBody>
-          <a:bodyPr/>
-          <a:lstStyle/>
-          <a:p>
-            <a:r>
-              <a:rPr lang="en-US" dirty="0" smtClean="0"/>
-              <a:t>How much power is required for the broadcast signal?</a:t>
-            </a:r>
-          </a:p>
-          <a:p>
-            <a:pPr lvl="1"/>
-            <a:r>
-              <a:rPr lang="en-US" dirty="0" smtClean="0"/>
-              <a:t>Link budget</a:t>
-            </a:r>
-          </a:p>
-          <a:p>
-            <a:r>
-              <a:rPr lang="en-US" dirty="0" smtClean="0"/>
-              <a:t>How much time will be available during each orbit for communication?</a:t>
-            </a:r>
-          </a:p>
-          <a:p>
-            <a:r>
-              <a:rPr lang="en-US" dirty="0" smtClean="0"/>
-              <a:t>Is it possible to transmit all data in the time allotted?</a:t>
-            </a:r>
-            <a:endParaRPr lang="en-US" dirty="0"/>
-          </a:p>
-        </p:txBody>
-      </p:sp>
-    </p:spTree>
-    <p:extLst>
-      <p:ext uri="{BB962C8B-B14F-4D97-AF65-F5344CB8AC3E}">
-        <p14:creationId xmlns:p14="http://schemas.microsoft.com/office/powerpoint/2010/main" val="826879702"/>
-      </p:ext>
-    </p:extLst>
-  </p:cSld>
-  <p:clrMapOvr>
-    <a:masterClrMapping/>
-  </p:clrMapOvr>
 </p:sld>
 </file>
 
@@ -8121,7 +8151,7 @@
   <a:extraClrSchemeLst/>
   <a:extLst>
     <a:ext uri="{05A4C25C-085E-4340-85A3-A5531E510DB2}">
-      <thm15:themeFamily xmlns="" xmlns:thm15="http://schemas.microsoft.com/office/thememl/2012/main" name="Ion" id="{B8441ADB-2E43-4AF7-B97A-BD870242C6A8}" vid="{292E63A9-BB86-4E3D-B92A-7223C6510D2E}"/>
+      <thm15:themeFamily xmlns:thm15="http://schemas.microsoft.com/office/thememl/2012/main" xmlns="" name="Ion" id="{B8441ADB-2E43-4AF7-B97A-BD870242C6A8}" vid="{292E63A9-BB86-4E3D-B92A-7223C6510D2E}"/>
     </a:ext>
   </a:extLst>
 </a:theme>

--- a/Presentations/Communication Slides.pptx
+++ b/Presentations/Communication Slides.pptx
@@ -7,11 +7,10 @@
   <p:sldIdLst>
     <p:sldId id="256" r:id="rId2"/>
     <p:sldId id="257" r:id="rId3"/>
-    <p:sldId id="258" r:id="rId4"/>
-    <p:sldId id="262" r:id="rId5"/>
-    <p:sldId id="263" r:id="rId6"/>
-    <p:sldId id="259" r:id="rId7"/>
-    <p:sldId id="261" r:id="rId8"/>
+    <p:sldId id="262" r:id="rId4"/>
+    <p:sldId id="263" r:id="rId5"/>
+    <p:sldId id="259" r:id="rId6"/>
+    <p:sldId id="261" r:id="rId7"/>
   </p:sldIdLst>
   <p:sldSz cx="12192000" cy="6858000"/>
   <p:notesSz cx="6858000" cy="9144000"/>
@@ -112,7 +111,18 @@
   </p:defaultTextStyle>
   <p:extLst>
     <p:ext uri="{EFAFB233-063F-42B5-8137-9DF3F51BA10A}">
-      <p15:sldGuideLst xmlns:p15="http://schemas.microsoft.com/office/powerpoint/2012/main" xmlns=""/>
+      <p15:sldGuideLst xmlns:p15="http://schemas.microsoft.com/office/powerpoint/2012/main">
+        <p15:guide id="1" orient="horz" pos="2160">
+          <p15:clr>
+            <a:srgbClr val="A4A3A4"/>
+          </p15:clr>
+        </p15:guide>
+        <p15:guide id="2" pos="3840">
+          <p15:clr>
+            <a:srgbClr val="A4A3A4"/>
+          </p15:clr>
+        </p15:guide>
+      </p15:sldGuideLst>
     </p:ext>
   </p:extLst>
 </p:presentation>
@@ -304,7 +314,7 @@
           <a:p>
             <a:fld id="{4AAD347D-5ACD-4C99-B74B-A9C85AD731AF}" type="datetimeFigureOut">
               <a:rPr lang="en-US" dirty="0"/>
-              <a:t>10/7/15</a:t>
+              <a:t>10/7/2015</a:t>
             </a:fld>
             <a:endParaRPr lang="en-US" dirty="0"/>
           </a:p>
@@ -574,7 +584,7 @@
           <a:p>
             <a:fld id="{4509A250-FF31-4206-8172-F9D3106AACB1}" type="datetimeFigureOut">
               <a:rPr lang="en-US" dirty="0"/>
-              <a:t>10/7/15</a:t>
+              <a:t>10/7/2015</a:t>
             </a:fld>
             <a:endParaRPr lang="en-US" dirty="0"/>
           </a:p>
@@ -763,7 +773,7 @@
           <a:p>
             <a:fld id="{4509A250-FF31-4206-8172-F9D3106AACB1}" type="datetimeFigureOut">
               <a:rPr lang="en-US" dirty="0"/>
-              <a:t>10/7/15</a:t>
+              <a:t>10/7/2015</a:t>
             </a:fld>
             <a:endParaRPr lang="en-US" dirty="0"/>
           </a:p>
@@ -1031,7 +1041,7 @@
           <a:p>
             <a:fld id="{4509A250-FF31-4206-8172-F9D3106AACB1}" type="datetimeFigureOut">
               <a:rPr lang="en-US" dirty="0"/>
-              <a:t>10/7/15</a:t>
+              <a:t>10/7/2015</a:t>
             </a:fld>
             <a:endParaRPr lang="en-US" dirty="0"/>
           </a:p>
@@ -1367,7 +1377,7 @@
           <a:p>
             <a:fld id="{4509A250-FF31-4206-8172-F9D3106AACB1}" type="datetimeFigureOut">
               <a:rPr lang="en-US" dirty="0"/>
-              <a:t>10/7/15</a:t>
+              <a:t>10/7/2015</a:t>
             </a:fld>
             <a:endParaRPr lang="en-US" dirty="0"/>
           </a:p>
@@ -1985,7 +1995,7 @@
           <a:p>
             <a:fld id="{4509A250-FF31-4206-8172-F9D3106AACB1}" type="datetimeFigureOut">
               <a:rPr lang="en-US" dirty="0"/>
-              <a:t>10/7/15</a:t>
+              <a:t>10/7/2015</a:t>
             </a:fld>
             <a:endParaRPr lang="en-US" dirty="0"/>
           </a:p>
@@ -2840,7 +2850,7 @@
           <a:p>
             <a:fld id="{4509A250-FF31-4206-8172-F9D3106AACB1}" type="datetimeFigureOut">
               <a:rPr lang="en-US" dirty="0"/>
-              <a:t>10/7/15</a:t>
+              <a:t>10/7/2015</a:t>
             </a:fld>
             <a:endParaRPr lang="en-US" dirty="0"/>
           </a:p>
@@ -3005,7 +3015,7 @@
           <a:p>
             <a:fld id="{4509A250-FF31-4206-8172-F9D3106AACB1}" type="datetimeFigureOut">
               <a:rPr lang="en-US" dirty="0"/>
-              <a:t>10/7/15</a:t>
+              <a:t>10/7/2015</a:t>
             </a:fld>
             <a:endParaRPr lang="en-US" dirty="0"/>
           </a:p>
@@ -3180,7 +3190,7 @@
           <a:p>
             <a:fld id="{4509A250-FF31-4206-8172-F9D3106AACB1}" type="datetimeFigureOut">
               <a:rPr lang="en-US" dirty="0"/>
-              <a:t>10/7/15</a:t>
+              <a:t>10/7/2015</a:t>
             </a:fld>
             <a:endParaRPr lang="en-US" dirty="0"/>
           </a:p>
@@ -3345,7 +3355,7 @@
           <a:p>
             <a:fld id="{4509A250-FF31-4206-8172-F9D3106AACB1}" type="datetimeFigureOut">
               <a:rPr lang="en-US" dirty="0"/>
-              <a:t>10/7/15</a:t>
+              <a:t>10/7/2015</a:t>
             </a:fld>
             <a:endParaRPr lang="en-US" dirty="0"/>
           </a:p>
@@ -3587,7 +3597,7 @@
           <a:p>
             <a:fld id="{9796027F-7875-4030-9381-8BD8C4F21935}" type="datetimeFigureOut">
               <a:rPr lang="en-US" dirty="0"/>
-              <a:t>10/7/15</a:t>
+              <a:t>10/7/2015</a:t>
             </a:fld>
             <a:endParaRPr lang="en-US" dirty="0"/>
           </a:p>
@@ -3874,7 +3884,7 @@
           <a:p>
             <a:fld id="{9796027F-7875-4030-9381-8BD8C4F21935}" type="datetimeFigureOut">
               <a:rPr lang="en-US" dirty="0"/>
-              <a:t>10/7/15</a:t>
+              <a:t>10/7/2015</a:t>
             </a:fld>
             <a:endParaRPr lang="en-US" dirty="0"/>
           </a:p>
@@ -4313,7 +4323,7 @@
           <a:p>
             <a:fld id="{9796027F-7875-4030-9381-8BD8C4F21935}" type="datetimeFigureOut">
               <a:rPr lang="en-US" dirty="0"/>
-              <a:t>10/7/15</a:t>
+              <a:t>10/7/2015</a:t>
             </a:fld>
             <a:endParaRPr lang="en-US" dirty="0"/>
           </a:p>
@@ -4426,7 +4436,7 @@
           <a:p>
             <a:fld id="{4509A250-FF31-4206-8172-F9D3106AACB1}" type="datetimeFigureOut">
               <a:rPr lang="en-US" dirty="0"/>
-              <a:t>10/7/15</a:t>
+              <a:t>10/7/2015</a:t>
             </a:fld>
             <a:endParaRPr lang="en-US" dirty="0"/>
           </a:p>
@@ -4516,7 +4526,7 @@
           <a:p>
             <a:fld id="{4509A250-FF31-4206-8172-F9D3106AACB1}" type="datetimeFigureOut">
               <a:rPr lang="en-US" dirty="0"/>
-              <a:t>10/7/15</a:t>
+              <a:t>10/7/2015</a:t>
             </a:fld>
             <a:endParaRPr lang="en-US" dirty="0"/>
           </a:p>
@@ -4790,7 +4800,7 @@
           <a:p>
             <a:fld id="{4509A250-FF31-4206-8172-F9D3106AACB1}" type="datetimeFigureOut">
               <a:rPr lang="en-US" dirty="0"/>
-              <a:t>10/7/15</a:t>
+              <a:t>10/7/2015</a:t>
             </a:fld>
             <a:endParaRPr lang="en-US" dirty="0"/>
           </a:p>
@@ -5060,7 +5070,7 @@
           <a:p>
             <a:fld id="{4509A250-FF31-4206-8172-F9D3106AACB1}" type="datetimeFigureOut">
               <a:rPr lang="en-US" dirty="0"/>
-              <a:t>10/7/15</a:t>
+              <a:t>10/7/2015</a:t>
             </a:fld>
             <a:endParaRPr lang="en-US" dirty="0"/>
           </a:p>
@@ -5484,7 +5494,7 @@
           <a:p>
             <a:fld id="{4AAD347D-5ACD-4C99-B74B-A9C85AD731AF}" type="datetimeFigureOut">
               <a:rPr lang="en-US" dirty="0"/>
-              <a:t>10/7/15</a:t>
+              <a:t>10/7/2015</a:t>
             </a:fld>
             <a:endParaRPr lang="en-US" dirty="0"/>
           </a:p>
@@ -6031,29 +6041,6 @@
           </a:p>
         </p:txBody>
       </p:sp>
-      <p:sp>
-        <p:nvSpPr>
-          <p:cNvPr id="3" name="Subtitle 2"/>
-          <p:cNvSpPr>
-            <a:spLocks noGrp="1"/>
-          </p:cNvSpPr>
-          <p:nvPr>
-            <p:ph type="subTitle" idx="1"/>
-          </p:nvPr>
-        </p:nvSpPr>
-        <p:spPr/>
-        <p:txBody>
-          <a:bodyPr/>
-          <a:lstStyle/>
-          <a:p>
-            <a:r>
-              <a:rPr lang="en-US" dirty="0" smtClean="0"/>
-              <a:t>PDR Slides</a:t>
-            </a:r>
-            <a:endParaRPr lang="en-US" dirty="0"/>
-          </a:p>
-        </p:txBody>
-      </p:sp>
     </p:spTree>
     <p:extLst>
       <p:ext uri="{BB962C8B-B14F-4D97-AF65-F5344CB8AC3E}">
@@ -6067,7 +6054,7 @@
   <p:timing>
     <p:tnLst>
       <p:par>
-        <p:cTn xmlns:p14="http://schemas.microsoft.com/office/powerpoint/2010/main" id="1" dur="indefinite" restart="never" nodeType="tmRoot"/>
+        <p:cTn id="1" dur="indefinite" restart="never" nodeType="tmRoot"/>
       </p:par>
     </p:tnLst>
   </p:timing>
@@ -6201,7 +6188,7 @@
   <p:timing>
     <p:tnLst>
       <p:par>
-        <p:cTn xmlns:p14="http://schemas.microsoft.com/office/powerpoint/2010/main" id="1" dur="indefinite" restart="never" nodeType="tmRoot"/>
+        <p:cTn id="1" dur="indefinite" restart="never" nodeType="tmRoot"/>
       </p:par>
     </p:tnLst>
   </p:timing>
@@ -6242,7 +6229,7 @@
           <a:p>
             <a:r>
               <a:rPr lang="en-US" dirty="0" smtClean="0"/>
-              <a:t>Communication - Solutions</a:t>
+              <a:t>Working Assumptions</a:t>
             </a:r>
             <a:endParaRPr lang="en-US" dirty="0"/>
           </a:p>
@@ -6263,27 +6250,46 @@
           <a:bodyPr/>
           <a:lstStyle/>
           <a:p>
-            <a:endParaRPr lang="en-US" dirty="0"/>
+            <a:r>
+              <a:rPr lang="en-US" dirty="0" smtClean="0"/>
+              <a:t>Assume one event per orbit</a:t>
+            </a:r>
+          </a:p>
+          <a:p>
+            <a:r>
+              <a:rPr lang="en-US" dirty="0" smtClean="0"/>
+              <a:t>Assume communication available to 3 base stations across the United States (Honolulu, Boulder, Fairbanks, maybe Crookston)</a:t>
+            </a:r>
+          </a:p>
+          <a:p>
+            <a:r>
+              <a:rPr lang="en-US" dirty="0" smtClean="0"/>
+              <a:t>Assume circular LEO</a:t>
+            </a:r>
+          </a:p>
+          <a:p>
+            <a:r>
+              <a:rPr lang="en-US" dirty="0" smtClean="0"/>
+              <a:t>Assume each data set on the order of 10 </a:t>
+            </a:r>
+            <a:r>
+              <a:rPr lang="en-US" dirty="0" err="1" smtClean="0"/>
+              <a:t>MiB</a:t>
+            </a:r>
+            <a:endParaRPr lang="en-US" dirty="0" smtClean="0"/>
           </a:p>
         </p:txBody>
       </p:sp>
     </p:spTree>
     <p:extLst>
       <p:ext uri="{BB962C8B-B14F-4D97-AF65-F5344CB8AC3E}">
-        <p14:creationId xmlns:p14="http://schemas.microsoft.com/office/powerpoint/2010/main" val="2256524085"/>
+        <p14:creationId xmlns:p14="http://schemas.microsoft.com/office/powerpoint/2010/main" val="3063671230"/>
       </p:ext>
     </p:extLst>
   </p:cSld>
   <p:clrMapOvr>
     <a:masterClrMapping/>
   </p:clrMapOvr>
-  <p:timing>
-    <p:tnLst>
-      <p:par>
-        <p:cTn xmlns:p14="http://schemas.microsoft.com/office/powerpoint/2010/main" id="1" dur="indefinite" restart="never" nodeType="tmRoot"/>
-      </p:par>
-    </p:tnLst>
-  </p:timing>
 </p:sld>
 </file>
 
@@ -6321,7 +6327,7 @@
           <a:p>
             <a:r>
               <a:rPr lang="en-US" dirty="0" smtClean="0"/>
-              <a:t>Working Assumptions</a:t>
+              <a:t>Questions/Solutions</a:t>
             </a:r>
             <a:endParaRPr lang="en-US" dirty="0"/>
           </a:p>
@@ -6344,38 +6350,56 @@
           <a:p>
             <a:r>
               <a:rPr lang="en-US" dirty="0" smtClean="0"/>
-              <a:t>Assume one event per orbit</a:t>
-            </a:r>
-          </a:p>
-          <a:p>
+              <a:t>How much power is required for the broadcast signal?</a:t>
+            </a:r>
+          </a:p>
+          <a:p>
+            <a:pPr lvl="1"/>
             <a:r>
               <a:rPr lang="en-US" dirty="0" smtClean="0"/>
-              <a:t>Assume communication available to 3 base stations across the United States (Honolulu, Boulder, Fairbanks, maybe Crookston)</a:t>
+              <a:t>Link budget</a:t>
             </a:r>
           </a:p>
           <a:p>
             <a:r>
               <a:rPr lang="en-US" dirty="0" smtClean="0"/>
-              <a:t>Assume circular LEO</a:t>
-            </a:r>
-          </a:p>
-          <a:p>
+              <a:t>How much time will be available during each orbit for communication?</a:t>
+            </a:r>
+          </a:p>
+          <a:p>
+            <a:pPr lvl="1"/>
             <a:r>
               <a:rPr lang="en-US" dirty="0" smtClean="0"/>
-              <a:t>Assume each data set on the order of 10 </a:t>
-            </a:r>
-            <a:r>
-              <a:rPr lang="en-US" dirty="0" err="1" smtClean="0"/>
-              <a:t>MiB</a:t>
-            </a:r>
-            <a:endParaRPr lang="en-US" dirty="0" smtClean="0"/>
+              <a:t>Link budget</a:t>
+            </a:r>
+          </a:p>
+          <a:p>
+            <a:pPr lvl="1"/>
+            <a:r>
+              <a:rPr lang="en-US" dirty="0" smtClean="0"/>
+              <a:t>Orbital parameters</a:t>
+            </a:r>
+          </a:p>
+          <a:p>
+            <a:r>
+              <a:rPr lang="en-US" dirty="0" smtClean="0"/>
+              <a:t>Is it possible to transmit all data in the time allotted?</a:t>
+            </a:r>
+          </a:p>
+          <a:p>
+            <a:pPr lvl="1"/>
+            <a:r>
+              <a:rPr lang="en-US" dirty="0" smtClean="0"/>
+              <a:t>Link budget</a:t>
+            </a:r>
+            <a:endParaRPr lang="en-US" dirty="0"/>
           </a:p>
         </p:txBody>
       </p:sp>
     </p:spTree>
     <p:extLst>
       <p:ext uri="{BB962C8B-B14F-4D97-AF65-F5344CB8AC3E}">
-        <p14:creationId xmlns:p14="http://schemas.microsoft.com/office/powerpoint/2010/main" val="3063671230"/>
+        <p14:creationId xmlns:p14="http://schemas.microsoft.com/office/powerpoint/2010/main" val="826879702"/>
       </p:ext>
     </p:extLst>
   </p:cSld>
@@ -6419,131 +6443,6 @@
           <a:p>
             <a:r>
               <a:rPr lang="en-US" dirty="0" smtClean="0"/>
-              <a:t>Questions/Solutions</a:t>
-            </a:r>
-            <a:endParaRPr lang="en-US" dirty="0"/>
-          </a:p>
-        </p:txBody>
-      </p:sp>
-      <p:sp>
-        <p:nvSpPr>
-          <p:cNvPr id="3" name="Content Placeholder 2"/>
-          <p:cNvSpPr>
-            <a:spLocks noGrp="1"/>
-          </p:cNvSpPr>
-          <p:nvPr>
-            <p:ph idx="1"/>
-          </p:nvPr>
-        </p:nvSpPr>
-        <p:spPr/>
-        <p:txBody>
-          <a:bodyPr/>
-          <a:lstStyle/>
-          <a:p>
-            <a:r>
-              <a:rPr lang="en-US" dirty="0" smtClean="0"/>
-              <a:t>How much power is required for the broadcast signal?</a:t>
-            </a:r>
-          </a:p>
-          <a:p>
-            <a:pPr lvl="1"/>
-            <a:r>
-              <a:rPr lang="en-US" dirty="0" smtClean="0"/>
-              <a:t>Link budget</a:t>
-            </a:r>
-          </a:p>
-          <a:p>
-            <a:r>
-              <a:rPr lang="en-US" dirty="0" smtClean="0"/>
-              <a:t>How much time will be available during each orbit for communication</a:t>
-            </a:r>
-            <a:r>
-              <a:rPr lang="en-US" dirty="0" smtClean="0"/>
-              <a:t>?</a:t>
-            </a:r>
-          </a:p>
-          <a:p>
-            <a:pPr lvl="1"/>
-            <a:r>
-              <a:rPr lang="en-US" dirty="0" smtClean="0"/>
-              <a:t>Link budget</a:t>
-            </a:r>
-          </a:p>
-          <a:p>
-            <a:pPr lvl="1"/>
-            <a:r>
-              <a:rPr lang="en-US" dirty="0" smtClean="0"/>
-              <a:t>Orbital parameters</a:t>
-            </a:r>
-            <a:endParaRPr lang="en-US" dirty="0" smtClean="0"/>
-          </a:p>
-          <a:p>
-            <a:r>
-              <a:rPr lang="en-US" dirty="0" smtClean="0"/>
-              <a:t>Is it possible to transmit all data in the time allotted</a:t>
-            </a:r>
-            <a:r>
-              <a:rPr lang="en-US" dirty="0" smtClean="0"/>
-              <a:t>?</a:t>
-            </a:r>
-          </a:p>
-          <a:p>
-            <a:pPr lvl="1"/>
-            <a:r>
-              <a:rPr lang="en-US" dirty="0" smtClean="0"/>
-              <a:t>Link budget</a:t>
-            </a:r>
-            <a:endParaRPr lang="en-US" dirty="0"/>
-          </a:p>
-        </p:txBody>
-      </p:sp>
-    </p:spTree>
-    <p:extLst>
-      <p:ext uri="{BB962C8B-B14F-4D97-AF65-F5344CB8AC3E}">
-        <p14:creationId xmlns:p14="http://schemas.microsoft.com/office/powerpoint/2010/main" val="826879702"/>
-      </p:ext>
-    </p:extLst>
-  </p:cSld>
-  <p:clrMapOvr>
-    <a:masterClrMapping/>
-  </p:clrMapOvr>
-</p:sld>
-</file>
-
-<file path=ppt/slides/slide6.xml><?xml version="1.0" encoding="utf-8"?>
-<p:sld xmlns:a="http://schemas.openxmlformats.org/drawingml/2006/main" xmlns:r="http://schemas.openxmlformats.org/officeDocument/2006/relationships" xmlns:p="http://schemas.openxmlformats.org/presentationml/2006/main">
-  <p:cSld>
-    <p:spTree>
-      <p:nvGrpSpPr>
-        <p:cNvPr id="1" name=""/>
-        <p:cNvGrpSpPr/>
-        <p:nvPr/>
-      </p:nvGrpSpPr>
-      <p:grpSpPr>
-        <a:xfrm>
-          <a:off x="0" y="0"/>
-          <a:ext cx="0" cy="0"/>
-          <a:chOff x="0" y="0"/>
-          <a:chExt cx="0" cy="0"/>
-        </a:xfrm>
-      </p:grpSpPr>
-      <p:sp>
-        <p:nvSpPr>
-          <p:cNvPr id="2" name="Title 1"/>
-          <p:cNvSpPr>
-            <a:spLocks noGrp="1"/>
-          </p:cNvSpPr>
-          <p:nvPr>
-            <p:ph type="title"/>
-          </p:nvPr>
-        </p:nvSpPr>
-        <p:spPr/>
-        <p:txBody>
-          <a:bodyPr/>
-          <a:lstStyle/>
-          <a:p>
-            <a:r>
-              <a:rPr lang="en-US" dirty="0" smtClean="0"/>
               <a:t>Communication – Scenario 1</a:t>
             </a:r>
             <a:endParaRPr lang="en-US" dirty="0"/>
@@ -7194,14 +7093,14 @@
   <p:timing>
     <p:tnLst>
       <p:par>
-        <p:cTn xmlns:p14="http://schemas.microsoft.com/office/powerpoint/2010/main" id="1" dur="indefinite" restart="never" nodeType="tmRoot"/>
+        <p:cTn id="1" dur="indefinite" restart="never" nodeType="tmRoot"/>
       </p:par>
     </p:tnLst>
   </p:timing>
 </p:sld>
 </file>
 
-<file path=ppt/slides/slide7.xml><?xml version="1.0" encoding="utf-8"?>
+<file path=ppt/slides/slide6.xml><?xml version="1.0" encoding="utf-8"?>
 <p:sld xmlns:a="http://schemas.openxmlformats.org/drawingml/2006/main" xmlns:r="http://schemas.openxmlformats.org/officeDocument/2006/relationships" xmlns:p="http://schemas.openxmlformats.org/presentationml/2006/main">
   <p:cSld>
     <p:spTree>
@@ -7884,7 +7783,7 @@
   <p:timing>
     <p:tnLst>
       <p:par>
-        <p:cTn xmlns:p14="http://schemas.microsoft.com/office/powerpoint/2010/main" id="1" dur="indefinite" restart="never" nodeType="tmRoot"/>
+        <p:cTn id="1" dur="indefinite" restart="never" nodeType="tmRoot"/>
       </p:par>
     </p:tnLst>
   </p:timing>
@@ -8151,7 +8050,7 @@
   <a:extraClrSchemeLst/>
   <a:extLst>
     <a:ext uri="{05A4C25C-085E-4340-85A3-A5531E510DB2}">
-      <thm15:themeFamily xmlns:thm15="http://schemas.microsoft.com/office/thememl/2012/main" xmlns="" name="Ion" id="{B8441ADB-2E43-4AF7-B97A-BD870242C6A8}" vid="{292E63A9-BB86-4E3D-B92A-7223C6510D2E}"/>
+      <thm15:themeFamily xmlns:thm15="http://schemas.microsoft.com/office/thememl/2012/main" name="Ion" id="{B8441ADB-2E43-4AF7-B97A-BD870242C6A8}" vid="{292E63A9-BB86-4E3D-B92A-7223C6510D2E}"/>
     </a:ext>
   </a:extLst>
 </a:theme>
